--- a/簡報1.pptx
+++ b/簡報1.pptx
@@ -10,6 +10,9 @@
     <p:sldId id="258" r:id="rId4"/>
     <p:sldId id="259" r:id="rId5"/>
     <p:sldId id="260" r:id="rId6"/>
+    <p:sldId id="261" r:id="rId7"/>
+    <p:sldId id="262" r:id="rId8"/>
+    <p:sldId id="265" r:id="rId9"/>
   </p:sldIdLst>
   <p:sldSz cx="9144000" cy="6858000" type="screen4x3"/>
   <p:notesSz cx="6858000" cy="9144000"/>
@@ -290,9 +293,9 @@
           <a:bodyPr/>
           <a:lstStyle/>
           <a:p>
-            <a:fld id="{F4330F75-3E5A-4C36-9D22-DD2406184F16}" type="datetimeFigureOut">
-              <a:rPr lang="zh-TW" altLang="en-US" smtClean="0"/>
-              <a:t>2018/10/16</a:t>
+            <a:fld id="{14475704-6681-4932-B9BA-2E1DFEE26D94}" type="datetimeFigureOut">
+              <a:rPr lang="zh-TW" altLang="en-US" smtClean="0"/>
+              <a:t>2018/10/25</a:t>
             </a:fld>
             <a:endParaRPr lang="zh-TW" altLang="en-US"/>
           </a:p>
@@ -332,7 +335,7 @@
           <a:bodyPr/>
           <a:lstStyle/>
           <a:p>
-            <a:fld id="{F6DFB06C-947C-45CE-B5FA-AE3E9069E2D4}" type="slidenum">
+            <a:fld id="{1F8A8FF5-DCAF-4319-86B5-250C557F84C6}" type="slidenum">
               <a:rPr lang="zh-TW" altLang="en-US" smtClean="0"/>
               <a:t>‹#›</a:t>
             </a:fld>
@@ -343,7 +346,7 @@
     </p:spTree>
     <p:extLst>
       <p:ext uri="{BB962C8B-B14F-4D97-AF65-F5344CB8AC3E}">
-        <p14:creationId xmlns:p14="http://schemas.microsoft.com/office/powerpoint/2010/main" val="4091767492"/>
+        <p14:creationId xmlns:p14="http://schemas.microsoft.com/office/powerpoint/2010/main" val="1182679926"/>
       </p:ext>
     </p:extLst>
   </p:cSld>
@@ -460,9 +463,9 @@
           <a:bodyPr/>
           <a:lstStyle/>
           <a:p>
-            <a:fld id="{F4330F75-3E5A-4C36-9D22-DD2406184F16}" type="datetimeFigureOut">
-              <a:rPr lang="zh-TW" altLang="en-US" smtClean="0"/>
-              <a:t>2018/10/16</a:t>
+            <a:fld id="{14475704-6681-4932-B9BA-2E1DFEE26D94}" type="datetimeFigureOut">
+              <a:rPr lang="zh-TW" altLang="en-US" smtClean="0"/>
+              <a:t>2018/10/25</a:t>
             </a:fld>
             <a:endParaRPr lang="zh-TW" altLang="en-US"/>
           </a:p>
@@ -502,7 +505,7 @@
           <a:bodyPr/>
           <a:lstStyle/>
           <a:p>
-            <a:fld id="{F6DFB06C-947C-45CE-B5FA-AE3E9069E2D4}" type="slidenum">
+            <a:fld id="{1F8A8FF5-DCAF-4319-86B5-250C557F84C6}" type="slidenum">
               <a:rPr lang="zh-TW" altLang="en-US" smtClean="0"/>
               <a:t>‹#›</a:t>
             </a:fld>
@@ -513,7 +516,7 @@
     </p:spTree>
     <p:extLst>
       <p:ext uri="{BB962C8B-B14F-4D97-AF65-F5344CB8AC3E}">
-        <p14:creationId xmlns:p14="http://schemas.microsoft.com/office/powerpoint/2010/main" val="1538554588"/>
+        <p14:creationId xmlns:p14="http://schemas.microsoft.com/office/powerpoint/2010/main" val="805431766"/>
       </p:ext>
     </p:extLst>
   </p:cSld>
@@ -640,9 +643,9 @@
           <a:bodyPr/>
           <a:lstStyle/>
           <a:p>
-            <a:fld id="{F4330F75-3E5A-4C36-9D22-DD2406184F16}" type="datetimeFigureOut">
-              <a:rPr lang="zh-TW" altLang="en-US" smtClean="0"/>
-              <a:t>2018/10/16</a:t>
+            <a:fld id="{14475704-6681-4932-B9BA-2E1DFEE26D94}" type="datetimeFigureOut">
+              <a:rPr lang="zh-TW" altLang="en-US" smtClean="0"/>
+              <a:t>2018/10/25</a:t>
             </a:fld>
             <a:endParaRPr lang="zh-TW" altLang="en-US"/>
           </a:p>
@@ -682,7 +685,7 @@
           <a:bodyPr/>
           <a:lstStyle/>
           <a:p>
-            <a:fld id="{F6DFB06C-947C-45CE-B5FA-AE3E9069E2D4}" type="slidenum">
+            <a:fld id="{1F8A8FF5-DCAF-4319-86B5-250C557F84C6}" type="slidenum">
               <a:rPr lang="zh-TW" altLang="en-US" smtClean="0"/>
               <a:t>‹#›</a:t>
             </a:fld>
@@ -693,7 +696,7 @@
     </p:spTree>
     <p:extLst>
       <p:ext uri="{BB962C8B-B14F-4D97-AF65-F5344CB8AC3E}">
-        <p14:creationId xmlns:p14="http://schemas.microsoft.com/office/powerpoint/2010/main" val="4160935288"/>
+        <p14:creationId xmlns:p14="http://schemas.microsoft.com/office/powerpoint/2010/main" val="1679905284"/>
       </p:ext>
     </p:extLst>
   </p:cSld>
@@ -810,9 +813,9 @@
           <a:bodyPr/>
           <a:lstStyle/>
           <a:p>
-            <a:fld id="{F4330F75-3E5A-4C36-9D22-DD2406184F16}" type="datetimeFigureOut">
-              <a:rPr lang="zh-TW" altLang="en-US" smtClean="0"/>
-              <a:t>2018/10/16</a:t>
+            <a:fld id="{14475704-6681-4932-B9BA-2E1DFEE26D94}" type="datetimeFigureOut">
+              <a:rPr lang="zh-TW" altLang="en-US" smtClean="0"/>
+              <a:t>2018/10/25</a:t>
             </a:fld>
             <a:endParaRPr lang="zh-TW" altLang="en-US"/>
           </a:p>
@@ -852,7 +855,7 @@
           <a:bodyPr/>
           <a:lstStyle/>
           <a:p>
-            <a:fld id="{F6DFB06C-947C-45CE-B5FA-AE3E9069E2D4}" type="slidenum">
+            <a:fld id="{1F8A8FF5-DCAF-4319-86B5-250C557F84C6}" type="slidenum">
               <a:rPr lang="zh-TW" altLang="en-US" smtClean="0"/>
               <a:t>‹#›</a:t>
             </a:fld>
@@ -863,7 +866,7 @@
     </p:spTree>
     <p:extLst>
       <p:ext uri="{BB962C8B-B14F-4D97-AF65-F5344CB8AC3E}">
-        <p14:creationId xmlns:p14="http://schemas.microsoft.com/office/powerpoint/2010/main" val="377406975"/>
+        <p14:creationId xmlns:p14="http://schemas.microsoft.com/office/powerpoint/2010/main" val="3764942680"/>
       </p:ext>
     </p:extLst>
   </p:cSld>
@@ -1056,9 +1059,9 @@
           <a:bodyPr/>
           <a:lstStyle/>
           <a:p>
-            <a:fld id="{F4330F75-3E5A-4C36-9D22-DD2406184F16}" type="datetimeFigureOut">
-              <a:rPr lang="zh-TW" altLang="en-US" smtClean="0"/>
-              <a:t>2018/10/16</a:t>
+            <a:fld id="{14475704-6681-4932-B9BA-2E1DFEE26D94}" type="datetimeFigureOut">
+              <a:rPr lang="zh-TW" altLang="en-US" smtClean="0"/>
+              <a:t>2018/10/25</a:t>
             </a:fld>
             <a:endParaRPr lang="zh-TW" altLang="en-US"/>
           </a:p>
@@ -1098,7 +1101,7 @@
           <a:bodyPr/>
           <a:lstStyle/>
           <a:p>
-            <a:fld id="{F6DFB06C-947C-45CE-B5FA-AE3E9069E2D4}" type="slidenum">
+            <a:fld id="{1F8A8FF5-DCAF-4319-86B5-250C557F84C6}" type="slidenum">
               <a:rPr lang="zh-TW" altLang="en-US" smtClean="0"/>
               <a:t>‹#›</a:t>
             </a:fld>
@@ -1109,7 +1112,7 @@
     </p:spTree>
     <p:extLst>
       <p:ext uri="{BB962C8B-B14F-4D97-AF65-F5344CB8AC3E}">
-        <p14:creationId xmlns:p14="http://schemas.microsoft.com/office/powerpoint/2010/main" val="2044960917"/>
+        <p14:creationId xmlns:p14="http://schemas.microsoft.com/office/powerpoint/2010/main" val="3693308043"/>
       </p:ext>
     </p:extLst>
   </p:cSld>
@@ -1344,9 +1347,9 @@
           <a:bodyPr/>
           <a:lstStyle/>
           <a:p>
-            <a:fld id="{F4330F75-3E5A-4C36-9D22-DD2406184F16}" type="datetimeFigureOut">
-              <a:rPr lang="zh-TW" altLang="en-US" smtClean="0"/>
-              <a:t>2018/10/16</a:t>
+            <a:fld id="{14475704-6681-4932-B9BA-2E1DFEE26D94}" type="datetimeFigureOut">
+              <a:rPr lang="zh-TW" altLang="en-US" smtClean="0"/>
+              <a:t>2018/10/25</a:t>
             </a:fld>
             <a:endParaRPr lang="zh-TW" altLang="en-US"/>
           </a:p>
@@ -1386,7 +1389,7 @@
           <a:bodyPr/>
           <a:lstStyle/>
           <a:p>
-            <a:fld id="{F6DFB06C-947C-45CE-B5FA-AE3E9069E2D4}" type="slidenum">
+            <a:fld id="{1F8A8FF5-DCAF-4319-86B5-250C557F84C6}" type="slidenum">
               <a:rPr lang="zh-TW" altLang="en-US" smtClean="0"/>
               <a:t>‹#›</a:t>
             </a:fld>
@@ -1397,7 +1400,7 @@
     </p:spTree>
     <p:extLst>
       <p:ext uri="{BB962C8B-B14F-4D97-AF65-F5344CB8AC3E}">
-        <p14:creationId xmlns:p14="http://schemas.microsoft.com/office/powerpoint/2010/main" val="3757738361"/>
+        <p14:creationId xmlns:p14="http://schemas.microsoft.com/office/powerpoint/2010/main" val="3389995190"/>
       </p:ext>
     </p:extLst>
   </p:cSld>
@@ -1766,9 +1769,9 @@
           <a:bodyPr/>
           <a:lstStyle/>
           <a:p>
-            <a:fld id="{F4330F75-3E5A-4C36-9D22-DD2406184F16}" type="datetimeFigureOut">
-              <a:rPr lang="zh-TW" altLang="en-US" smtClean="0"/>
-              <a:t>2018/10/16</a:t>
+            <a:fld id="{14475704-6681-4932-B9BA-2E1DFEE26D94}" type="datetimeFigureOut">
+              <a:rPr lang="zh-TW" altLang="en-US" smtClean="0"/>
+              <a:t>2018/10/25</a:t>
             </a:fld>
             <a:endParaRPr lang="zh-TW" altLang="en-US"/>
           </a:p>
@@ -1808,7 +1811,7 @@
           <a:bodyPr/>
           <a:lstStyle/>
           <a:p>
-            <a:fld id="{F6DFB06C-947C-45CE-B5FA-AE3E9069E2D4}" type="slidenum">
+            <a:fld id="{1F8A8FF5-DCAF-4319-86B5-250C557F84C6}" type="slidenum">
               <a:rPr lang="zh-TW" altLang="en-US" smtClean="0"/>
               <a:t>‹#›</a:t>
             </a:fld>
@@ -1819,7 +1822,7 @@
     </p:spTree>
     <p:extLst>
       <p:ext uri="{BB962C8B-B14F-4D97-AF65-F5344CB8AC3E}">
-        <p14:creationId xmlns:p14="http://schemas.microsoft.com/office/powerpoint/2010/main" val="1850857250"/>
+        <p14:creationId xmlns:p14="http://schemas.microsoft.com/office/powerpoint/2010/main" val="557105168"/>
       </p:ext>
     </p:extLst>
   </p:cSld>
@@ -1884,9 +1887,9 @@
           <a:bodyPr/>
           <a:lstStyle/>
           <a:p>
-            <a:fld id="{F4330F75-3E5A-4C36-9D22-DD2406184F16}" type="datetimeFigureOut">
-              <a:rPr lang="zh-TW" altLang="en-US" smtClean="0"/>
-              <a:t>2018/10/16</a:t>
+            <a:fld id="{14475704-6681-4932-B9BA-2E1DFEE26D94}" type="datetimeFigureOut">
+              <a:rPr lang="zh-TW" altLang="en-US" smtClean="0"/>
+              <a:t>2018/10/25</a:t>
             </a:fld>
             <a:endParaRPr lang="zh-TW" altLang="en-US"/>
           </a:p>
@@ -1926,7 +1929,7 @@
           <a:bodyPr/>
           <a:lstStyle/>
           <a:p>
-            <a:fld id="{F6DFB06C-947C-45CE-B5FA-AE3E9069E2D4}" type="slidenum">
+            <a:fld id="{1F8A8FF5-DCAF-4319-86B5-250C557F84C6}" type="slidenum">
               <a:rPr lang="zh-TW" altLang="en-US" smtClean="0"/>
               <a:t>‹#›</a:t>
             </a:fld>
@@ -1937,7 +1940,7 @@
     </p:spTree>
     <p:extLst>
       <p:ext uri="{BB962C8B-B14F-4D97-AF65-F5344CB8AC3E}">
-        <p14:creationId xmlns:p14="http://schemas.microsoft.com/office/powerpoint/2010/main" val="169817553"/>
+        <p14:creationId xmlns:p14="http://schemas.microsoft.com/office/powerpoint/2010/main" val="109092056"/>
       </p:ext>
     </p:extLst>
   </p:cSld>
@@ -1979,9 +1982,9 @@
           <a:bodyPr/>
           <a:lstStyle/>
           <a:p>
-            <a:fld id="{F4330F75-3E5A-4C36-9D22-DD2406184F16}" type="datetimeFigureOut">
-              <a:rPr lang="zh-TW" altLang="en-US" smtClean="0"/>
-              <a:t>2018/10/16</a:t>
+            <a:fld id="{14475704-6681-4932-B9BA-2E1DFEE26D94}" type="datetimeFigureOut">
+              <a:rPr lang="zh-TW" altLang="en-US" smtClean="0"/>
+              <a:t>2018/10/25</a:t>
             </a:fld>
             <a:endParaRPr lang="zh-TW" altLang="en-US"/>
           </a:p>
@@ -2021,7 +2024,7 @@
           <a:bodyPr/>
           <a:lstStyle/>
           <a:p>
-            <a:fld id="{F6DFB06C-947C-45CE-B5FA-AE3E9069E2D4}" type="slidenum">
+            <a:fld id="{1F8A8FF5-DCAF-4319-86B5-250C557F84C6}" type="slidenum">
               <a:rPr lang="zh-TW" altLang="en-US" smtClean="0"/>
               <a:t>‹#›</a:t>
             </a:fld>
@@ -2032,7 +2035,7 @@
     </p:spTree>
     <p:extLst>
       <p:ext uri="{BB962C8B-B14F-4D97-AF65-F5344CB8AC3E}">
-        <p14:creationId xmlns:p14="http://schemas.microsoft.com/office/powerpoint/2010/main" val="3960815014"/>
+        <p14:creationId xmlns:p14="http://schemas.microsoft.com/office/powerpoint/2010/main" val="1440107770"/>
       </p:ext>
     </p:extLst>
   </p:cSld>
@@ -2256,9 +2259,9 @@
           <a:bodyPr/>
           <a:lstStyle/>
           <a:p>
-            <a:fld id="{F4330F75-3E5A-4C36-9D22-DD2406184F16}" type="datetimeFigureOut">
-              <a:rPr lang="zh-TW" altLang="en-US" smtClean="0"/>
-              <a:t>2018/10/16</a:t>
+            <a:fld id="{14475704-6681-4932-B9BA-2E1DFEE26D94}" type="datetimeFigureOut">
+              <a:rPr lang="zh-TW" altLang="en-US" smtClean="0"/>
+              <a:t>2018/10/25</a:t>
             </a:fld>
             <a:endParaRPr lang="zh-TW" altLang="en-US"/>
           </a:p>
@@ -2298,7 +2301,7 @@
           <a:bodyPr/>
           <a:lstStyle/>
           <a:p>
-            <a:fld id="{F6DFB06C-947C-45CE-B5FA-AE3E9069E2D4}" type="slidenum">
+            <a:fld id="{1F8A8FF5-DCAF-4319-86B5-250C557F84C6}" type="slidenum">
               <a:rPr lang="zh-TW" altLang="en-US" smtClean="0"/>
               <a:t>‹#›</a:t>
             </a:fld>
@@ -2309,7 +2312,7 @@
     </p:spTree>
     <p:extLst>
       <p:ext uri="{BB962C8B-B14F-4D97-AF65-F5344CB8AC3E}">
-        <p14:creationId xmlns:p14="http://schemas.microsoft.com/office/powerpoint/2010/main" val="4288200925"/>
+        <p14:creationId xmlns:p14="http://schemas.microsoft.com/office/powerpoint/2010/main" val="3151921467"/>
       </p:ext>
     </p:extLst>
   </p:cSld>
@@ -2509,9 +2512,9 @@
           <a:bodyPr/>
           <a:lstStyle/>
           <a:p>
-            <a:fld id="{F4330F75-3E5A-4C36-9D22-DD2406184F16}" type="datetimeFigureOut">
-              <a:rPr lang="zh-TW" altLang="en-US" smtClean="0"/>
-              <a:t>2018/10/16</a:t>
+            <a:fld id="{14475704-6681-4932-B9BA-2E1DFEE26D94}" type="datetimeFigureOut">
+              <a:rPr lang="zh-TW" altLang="en-US" smtClean="0"/>
+              <a:t>2018/10/25</a:t>
             </a:fld>
             <a:endParaRPr lang="zh-TW" altLang="en-US"/>
           </a:p>
@@ -2551,7 +2554,7 @@
           <a:bodyPr/>
           <a:lstStyle/>
           <a:p>
-            <a:fld id="{F6DFB06C-947C-45CE-B5FA-AE3E9069E2D4}" type="slidenum">
+            <a:fld id="{1F8A8FF5-DCAF-4319-86B5-250C557F84C6}" type="slidenum">
               <a:rPr lang="zh-TW" altLang="en-US" smtClean="0"/>
               <a:t>‹#›</a:t>
             </a:fld>
@@ -2562,7 +2565,7 @@
     </p:spTree>
     <p:extLst>
       <p:ext uri="{BB962C8B-B14F-4D97-AF65-F5344CB8AC3E}">
-        <p14:creationId xmlns:p14="http://schemas.microsoft.com/office/powerpoint/2010/main" val="4217993047"/>
+        <p14:creationId xmlns:p14="http://schemas.microsoft.com/office/powerpoint/2010/main" val="1647814721"/>
       </p:ext>
     </p:extLst>
   </p:cSld>
@@ -2722,9 +2725,9 @@
             </a:lvl1pPr>
           </a:lstStyle>
           <a:p>
-            <a:fld id="{F4330F75-3E5A-4C36-9D22-DD2406184F16}" type="datetimeFigureOut">
-              <a:rPr lang="zh-TW" altLang="en-US" smtClean="0"/>
-              <a:t>2018/10/16</a:t>
+            <a:fld id="{14475704-6681-4932-B9BA-2E1DFEE26D94}" type="datetimeFigureOut">
+              <a:rPr lang="zh-TW" altLang="en-US" smtClean="0"/>
+              <a:t>2018/10/25</a:t>
             </a:fld>
             <a:endParaRPr lang="zh-TW" altLang="en-US"/>
           </a:p>
@@ -2800,7 +2803,7 @@
             </a:lvl1pPr>
           </a:lstStyle>
           <a:p>
-            <a:fld id="{F6DFB06C-947C-45CE-B5FA-AE3E9069E2D4}" type="slidenum">
+            <a:fld id="{1F8A8FF5-DCAF-4319-86B5-250C557F84C6}" type="slidenum">
               <a:rPr lang="zh-TW" altLang="en-US" smtClean="0"/>
               <a:t>‹#›</a:t>
             </a:fld>
@@ -2811,7 +2814,7 @@
     </p:spTree>
     <p:extLst>
       <p:ext uri="{BB962C8B-B14F-4D97-AF65-F5344CB8AC3E}">
-        <p14:creationId xmlns:p14="http://schemas.microsoft.com/office/powerpoint/2010/main" val="3637008652"/>
+        <p14:creationId xmlns:p14="http://schemas.microsoft.com/office/powerpoint/2010/main" val="1274723915"/>
       </p:ext>
     </p:extLst>
   </p:cSld>
@@ -3133,7 +3136,7 @@
           <a:bodyPr/>
           <a:lstStyle/>
           <a:p>
-            <a:endParaRPr lang="zh-TW" altLang="en-US" dirty="0"/>
+            <a:endParaRPr lang="zh-TW" altLang="en-US"/>
           </a:p>
         </p:txBody>
       </p:sp>
@@ -3160,8 +3163,8 @@
         </p:blipFill>
         <p:spPr bwMode="auto">
           <a:xfrm>
-            <a:off x="107504" y="1340768"/>
-            <a:ext cx="8964488" cy="4913784"/>
+            <a:off x="65106" y="56825"/>
+            <a:ext cx="9058187" cy="6686600"/>
           </a:xfrm>
           <a:prstGeom prst="rect">
             <a:avLst/>
@@ -3194,7 +3197,7 @@
     </p:spTree>
     <p:extLst>
       <p:ext uri="{BB962C8B-B14F-4D97-AF65-F5344CB8AC3E}">
-        <p14:creationId xmlns:p14="http://schemas.microsoft.com/office/powerpoint/2010/main" val="1560009265"/>
+        <p14:creationId xmlns:p14="http://schemas.microsoft.com/office/powerpoint/2010/main" val="3900809304"/>
       </p:ext>
     </p:extLst>
   </p:cSld>
@@ -3255,7 +3258,7 @@
           <a:bodyPr/>
           <a:lstStyle/>
           <a:p>
-            <a:endParaRPr lang="zh-TW" altLang="en-US"/>
+            <a:endParaRPr lang="zh-TW" altLang="en-US" dirty="0"/>
           </a:p>
         </p:txBody>
       </p:sp>
@@ -3282,8 +3285,8 @@
         </p:blipFill>
         <p:spPr bwMode="auto">
           <a:xfrm>
-            <a:off x="-180528" y="284597"/>
-            <a:ext cx="9145016" cy="6336704"/>
+            <a:off x="-24700" y="764704"/>
+            <a:ext cx="9145016" cy="6498446"/>
           </a:xfrm>
           <a:prstGeom prst="rect">
             <a:avLst/>
@@ -3316,7 +3319,7 @@
     </p:spTree>
     <p:extLst>
       <p:ext uri="{BB962C8B-B14F-4D97-AF65-F5344CB8AC3E}">
-        <p14:creationId xmlns:p14="http://schemas.microsoft.com/office/powerpoint/2010/main" val="3590014944"/>
+        <p14:creationId xmlns:p14="http://schemas.microsoft.com/office/powerpoint/2010/main" val="1398567722"/>
       </p:ext>
     </p:extLst>
   </p:cSld>
@@ -3381,10 +3384,64 @@
           </a:p>
         </p:txBody>
       </p:sp>
+      <p:pic>
+        <p:nvPicPr>
+          <p:cNvPr id="3074" name="Picture 2"/>
+          <p:cNvPicPr>
+            <a:picLocks noChangeAspect="1" noChangeArrowheads="1"/>
+          </p:cNvPicPr>
+          <p:nvPr/>
+        </p:nvPicPr>
+        <p:blipFill>
+          <a:blip r:embed="rId2">
+            <a:extLst>
+              <a:ext uri="{28A0092B-C50C-407E-A947-70E740481C1C}">
+                <a14:useLocalDpi xmlns:a14="http://schemas.microsoft.com/office/drawing/2010/main" val="0"/>
+              </a:ext>
+            </a:extLst>
+          </a:blip>
+          <a:srcRect/>
+          <a:stretch>
+            <a:fillRect/>
+          </a:stretch>
+        </p:blipFill>
+        <p:spPr bwMode="auto">
+          <a:xfrm>
+            <a:off x="16375" y="0"/>
+            <a:ext cx="9092129" cy="6661855"/>
+          </a:xfrm>
+          <a:prstGeom prst="rect">
+            <a:avLst/>
+          </a:prstGeom>
+          <a:noFill/>
+          <a:ln>
+            <a:noFill/>
+          </a:ln>
+          <a:extLst>
+            <a:ext uri="{909E8E84-426E-40DD-AFC4-6F175D3DCCD1}">
+              <a14:hiddenFill xmlns:a14="http://schemas.microsoft.com/office/drawing/2010/main">
+                <a:solidFill>
+                  <a:schemeClr val="accent1"/>
+                </a:solidFill>
+              </a14:hiddenFill>
+            </a:ext>
+            <a:ext uri="{91240B29-F687-4F45-9708-019B960494DF}">
+              <a14:hiddenLine xmlns:a14="http://schemas.microsoft.com/office/drawing/2010/main" w="9525">
+                <a:solidFill>
+                  <a:schemeClr val="tx1"/>
+                </a:solidFill>
+                <a:miter lim="800000"/>
+                <a:headEnd/>
+                <a:tailEnd/>
+              </a14:hiddenLine>
+            </a:ext>
+          </a:extLst>
+        </p:spPr>
+      </p:pic>
     </p:spTree>
     <p:extLst>
       <p:ext uri="{BB962C8B-B14F-4D97-AF65-F5344CB8AC3E}">
-        <p14:creationId xmlns:p14="http://schemas.microsoft.com/office/powerpoint/2010/main" val="3597789782"/>
+        <p14:creationId xmlns:p14="http://schemas.microsoft.com/office/powerpoint/2010/main" val="1430128353"/>
       </p:ext>
     </p:extLst>
   </p:cSld>
@@ -3430,29 +3487,66 @@
           </a:p>
         </p:txBody>
       </p:sp>
-      <p:sp>
-        <p:nvSpPr>
-          <p:cNvPr id="3" name="內容版面配置區 2"/>
-          <p:cNvSpPr>
-            <a:spLocks noGrp="1"/>
-          </p:cNvSpPr>
+      <p:pic>
+        <p:nvPicPr>
+          <p:cNvPr id="4098" name="Picture 2"/>
+          <p:cNvPicPr>
+            <a:picLocks noGrp="1" noChangeAspect="1" noChangeArrowheads="1"/>
+          </p:cNvPicPr>
           <p:nvPr>
             <p:ph idx="1"/>
           </p:nvPr>
-        </p:nvSpPr>
-        <p:spPr/>
-        <p:txBody>
-          <a:bodyPr/>
-          <a:lstStyle/>
-          <a:p>
-            <a:endParaRPr lang="zh-TW" altLang="en-US"/>
-          </a:p>
-        </p:txBody>
-      </p:sp>
+        </p:nvPicPr>
+        <p:blipFill>
+          <a:blip r:embed="rId2">
+            <a:extLst>
+              <a:ext uri="{28A0092B-C50C-407E-A947-70E740481C1C}">
+                <a14:useLocalDpi xmlns:a14="http://schemas.microsoft.com/office/drawing/2010/main" val="0"/>
+              </a:ext>
+            </a:extLst>
+          </a:blip>
+          <a:srcRect/>
+          <a:stretch>
+            <a:fillRect/>
+          </a:stretch>
+        </p:blipFill>
+        <p:spPr bwMode="auto">
+          <a:xfrm>
+            <a:off x="1555" y="260648"/>
+            <a:ext cx="8856984" cy="6480720"/>
+          </a:xfrm>
+          <a:prstGeom prst="rect">
+            <a:avLst/>
+          </a:prstGeom>
+          <a:noFill/>
+          <a:ln>
+            <a:noFill/>
+          </a:ln>
+          <a:extLst>
+            <a:ext uri="{909E8E84-426E-40DD-AFC4-6F175D3DCCD1}">
+              <a14:hiddenFill xmlns:a14="http://schemas.microsoft.com/office/drawing/2010/main">
+                <a:solidFill>
+                  <a:schemeClr val="accent1"/>
+                </a:solidFill>
+              </a14:hiddenFill>
+            </a:ext>
+            <a:ext uri="{91240B29-F687-4F45-9708-019B960494DF}">
+              <a14:hiddenLine xmlns:a14="http://schemas.microsoft.com/office/drawing/2010/main" w="9525">
+                <a:solidFill>
+                  <a:schemeClr val="tx1"/>
+                </a:solidFill>
+                <a:miter lim="800000"/>
+                <a:headEnd/>
+                <a:tailEnd/>
+              </a14:hiddenLine>
+            </a:ext>
+          </a:extLst>
+        </p:spPr>
+      </p:pic>
     </p:spTree>
     <p:extLst>
       <p:ext uri="{BB962C8B-B14F-4D97-AF65-F5344CB8AC3E}">
-        <p14:creationId xmlns:p14="http://schemas.microsoft.com/office/powerpoint/2010/main" val="4049720540"/>
+        <p14:creationId xmlns:p14="http://schemas.microsoft.com/office/powerpoint/2010/main" val="3252127678"/>
       </p:ext>
     </p:extLst>
   </p:cSld>
@@ -3498,29 +3592,381 @@
           </a:p>
         </p:txBody>
       </p:sp>
-      <p:sp>
-        <p:nvSpPr>
-          <p:cNvPr id="3" name="內容版面配置區 2"/>
-          <p:cNvSpPr>
-            <a:spLocks noGrp="1"/>
-          </p:cNvSpPr>
+      <p:pic>
+        <p:nvPicPr>
+          <p:cNvPr id="5122" name="Picture 2"/>
+          <p:cNvPicPr>
+            <a:picLocks noGrp="1" noChangeAspect="1" noChangeArrowheads="1"/>
+          </p:cNvPicPr>
           <p:nvPr>
             <p:ph idx="1"/>
           </p:nvPr>
-        </p:nvSpPr>
-        <p:spPr/>
-        <p:txBody>
-          <a:bodyPr/>
-          <a:lstStyle/>
-          <a:p>
-            <a:endParaRPr lang="zh-TW" altLang="en-US"/>
-          </a:p>
-        </p:txBody>
-      </p:sp>
+        </p:nvPicPr>
+        <p:blipFill>
+          <a:blip r:embed="rId2">
+            <a:extLst>
+              <a:ext uri="{28A0092B-C50C-407E-A947-70E740481C1C}">
+                <a14:useLocalDpi xmlns:a14="http://schemas.microsoft.com/office/drawing/2010/main" val="0"/>
+              </a:ext>
+            </a:extLst>
+          </a:blip>
+          <a:srcRect/>
+          <a:stretch>
+            <a:fillRect/>
+          </a:stretch>
+        </p:blipFill>
+        <p:spPr bwMode="auto">
+          <a:xfrm>
+            <a:off x="-3908" y="116632"/>
+            <a:ext cx="9112412" cy="6624736"/>
+          </a:xfrm>
+          <a:prstGeom prst="rect">
+            <a:avLst/>
+          </a:prstGeom>
+          <a:noFill/>
+          <a:ln>
+            <a:noFill/>
+          </a:ln>
+          <a:extLst>
+            <a:ext uri="{909E8E84-426E-40DD-AFC4-6F175D3DCCD1}">
+              <a14:hiddenFill xmlns:a14="http://schemas.microsoft.com/office/drawing/2010/main">
+                <a:solidFill>
+                  <a:schemeClr val="accent1"/>
+                </a:solidFill>
+              </a14:hiddenFill>
+            </a:ext>
+            <a:ext uri="{91240B29-F687-4F45-9708-019B960494DF}">
+              <a14:hiddenLine xmlns:a14="http://schemas.microsoft.com/office/drawing/2010/main" w="9525">
+                <a:solidFill>
+                  <a:schemeClr val="tx1"/>
+                </a:solidFill>
+                <a:miter lim="800000"/>
+                <a:headEnd/>
+                <a:tailEnd/>
+              </a14:hiddenLine>
+            </a:ext>
+          </a:extLst>
+        </p:spPr>
+      </p:pic>
     </p:spTree>
     <p:extLst>
       <p:ext uri="{BB962C8B-B14F-4D97-AF65-F5344CB8AC3E}">
-        <p14:creationId xmlns:p14="http://schemas.microsoft.com/office/powerpoint/2010/main" val="1312900764"/>
+        <p14:creationId xmlns:p14="http://schemas.microsoft.com/office/powerpoint/2010/main" val="547875764"/>
+      </p:ext>
+    </p:extLst>
+  </p:cSld>
+  <p:clrMapOvr>
+    <a:masterClrMapping/>
+  </p:clrMapOvr>
+</p:sld>
+</file>
+
+<file path=ppt/slides/slide6.xml><?xml version="1.0" encoding="utf-8"?>
+<p:sld xmlns:a="http://schemas.openxmlformats.org/drawingml/2006/main" xmlns:r="http://schemas.openxmlformats.org/officeDocument/2006/relationships" xmlns:p="http://schemas.openxmlformats.org/presentationml/2006/main">
+  <p:cSld>
+    <p:spTree>
+      <p:nvGrpSpPr>
+        <p:cNvPr id="1" name=""/>
+        <p:cNvGrpSpPr/>
+        <p:nvPr/>
+      </p:nvGrpSpPr>
+      <p:grpSpPr>
+        <a:xfrm>
+          <a:off x="0" y="0"/>
+          <a:ext cx="0" cy="0"/>
+          <a:chOff x="0" y="0"/>
+          <a:chExt cx="0" cy="0"/>
+        </a:xfrm>
+      </p:grpSpPr>
+      <p:sp>
+        <p:nvSpPr>
+          <p:cNvPr id="2" name="標題 1"/>
+          <p:cNvSpPr>
+            <a:spLocks noGrp="1"/>
+          </p:cNvSpPr>
+          <p:nvPr>
+            <p:ph type="title"/>
+          </p:nvPr>
+        </p:nvSpPr>
+        <p:spPr/>
+        <p:txBody>
+          <a:bodyPr/>
+          <a:lstStyle/>
+          <a:p>
+            <a:endParaRPr lang="zh-TW" altLang="en-US"/>
+          </a:p>
+        </p:txBody>
+      </p:sp>
+      <p:pic>
+        <p:nvPicPr>
+          <p:cNvPr id="6146" name="Picture 2"/>
+          <p:cNvPicPr>
+            <a:picLocks noGrp="1" noChangeAspect="1" noChangeArrowheads="1"/>
+          </p:cNvPicPr>
+          <p:nvPr>
+            <p:ph idx="1"/>
+          </p:nvPr>
+        </p:nvPicPr>
+        <p:blipFill>
+          <a:blip r:embed="rId2">
+            <a:extLst>
+              <a:ext uri="{28A0092B-C50C-407E-A947-70E740481C1C}">
+                <a14:useLocalDpi xmlns:a14="http://schemas.microsoft.com/office/drawing/2010/main" val="0"/>
+              </a:ext>
+            </a:extLst>
+          </a:blip>
+          <a:srcRect/>
+          <a:stretch>
+            <a:fillRect/>
+          </a:stretch>
+        </p:blipFill>
+        <p:spPr bwMode="auto">
+          <a:xfrm>
+            <a:off x="0" y="1"/>
+            <a:ext cx="9036496" cy="6858000"/>
+          </a:xfrm>
+          <a:prstGeom prst="rect">
+            <a:avLst/>
+          </a:prstGeom>
+          <a:noFill/>
+          <a:ln>
+            <a:noFill/>
+          </a:ln>
+          <a:extLst>
+            <a:ext uri="{909E8E84-426E-40DD-AFC4-6F175D3DCCD1}">
+              <a14:hiddenFill xmlns:a14="http://schemas.microsoft.com/office/drawing/2010/main">
+                <a:solidFill>
+                  <a:schemeClr val="accent1"/>
+                </a:solidFill>
+              </a14:hiddenFill>
+            </a:ext>
+            <a:ext uri="{91240B29-F687-4F45-9708-019B960494DF}">
+              <a14:hiddenLine xmlns:a14="http://schemas.microsoft.com/office/drawing/2010/main" w="9525">
+                <a:solidFill>
+                  <a:schemeClr val="tx1"/>
+                </a:solidFill>
+                <a:miter lim="800000"/>
+                <a:headEnd/>
+                <a:tailEnd/>
+              </a14:hiddenLine>
+            </a:ext>
+          </a:extLst>
+        </p:spPr>
+      </p:pic>
+    </p:spTree>
+    <p:extLst>
+      <p:ext uri="{BB962C8B-B14F-4D97-AF65-F5344CB8AC3E}">
+        <p14:creationId xmlns:p14="http://schemas.microsoft.com/office/powerpoint/2010/main" val="2234436774"/>
+      </p:ext>
+    </p:extLst>
+  </p:cSld>
+  <p:clrMapOvr>
+    <a:masterClrMapping/>
+  </p:clrMapOvr>
+</p:sld>
+</file>
+
+<file path=ppt/slides/slide7.xml><?xml version="1.0" encoding="utf-8"?>
+<p:sld xmlns:a="http://schemas.openxmlformats.org/drawingml/2006/main" xmlns:r="http://schemas.openxmlformats.org/officeDocument/2006/relationships" xmlns:p="http://schemas.openxmlformats.org/presentationml/2006/main">
+  <p:cSld>
+    <p:spTree>
+      <p:nvGrpSpPr>
+        <p:cNvPr id="1" name=""/>
+        <p:cNvGrpSpPr/>
+        <p:nvPr/>
+      </p:nvGrpSpPr>
+      <p:grpSpPr>
+        <a:xfrm>
+          <a:off x="0" y="0"/>
+          <a:ext cx="0" cy="0"/>
+          <a:chOff x="0" y="0"/>
+          <a:chExt cx="0" cy="0"/>
+        </a:xfrm>
+      </p:grpSpPr>
+      <p:sp>
+        <p:nvSpPr>
+          <p:cNvPr id="2" name="標題 1"/>
+          <p:cNvSpPr>
+            <a:spLocks noGrp="1"/>
+          </p:cNvSpPr>
+          <p:nvPr>
+            <p:ph type="title"/>
+          </p:nvPr>
+        </p:nvSpPr>
+        <p:spPr/>
+        <p:txBody>
+          <a:bodyPr/>
+          <a:lstStyle/>
+          <a:p>
+            <a:endParaRPr lang="zh-TW" altLang="en-US"/>
+          </a:p>
+        </p:txBody>
+      </p:sp>
+      <p:pic>
+        <p:nvPicPr>
+          <p:cNvPr id="7170" name="Picture 2"/>
+          <p:cNvPicPr>
+            <a:picLocks noGrp="1" noChangeAspect="1" noChangeArrowheads="1"/>
+          </p:cNvPicPr>
+          <p:nvPr>
+            <p:ph idx="1"/>
+          </p:nvPr>
+        </p:nvPicPr>
+        <p:blipFill>
+          <a:blip r:embed="rId2">
+            <a:extLst>
+              <a:ext uri="{28A0092B-C50C-407E-A947-70E740481C1C}">
+                <a14:useLocalDpi xmlns:a14="http://schemas.microsoft.com/office/drawing/2010/main" val="0"/>
+              </a:ext>
+            </a:extLst>
+          </a:blip>
+          <a:srcRect/>
+          <a:stretch>
+            <a:fillRect/>
+          </a:stretch>
+        </p:blipFill>
+        <p:spPr bwMode="auto">
+          <a:xfrm>
+            <a:off x="0" y="116632"/>
+            <a:ext cx="9170386" cy="6767129"/>
+          </a:xfrm>
+          <a:prstGeom prst="rect">
+            <a:avLst/>
+          </a:prstGeom>
+          <a:noFill/>
+          <a:ln>
+            <a:noFill/>
+          </a:ln>
+          <a:extLst>
+            <a:ext uri="{909E8E84-426E-40DD-AFC4-6F175D3DCCD1}">
+              <a14:hiddenFill xmlns:a14="http://schemas.microsoft.com/office/drawing/2010/main">
+                <a:solidFill>
+                  <a:schemeClr val="accent1"/>
+                </a:solidFill>
+              </a14:hiddenFill>
+            </a:ext>
+            <a:ext uri="{91240B29-F687-4F45-9708-019B960494DF}">
+              <a14:hiddenLine xmlns:a14="http://schemas.microsoft.com/office/drawing/2010/main" w="9525">
+                <a:solidFill>
+                  <a:schemeClr val="tx1"/>
+                </a:solidFill>
+                <a:miter lim="800000"/>
+                <a:headEnd/>
+                <a:tailEnd/>
+              </a14:hiddenLine>
+            </a:ext>
+          </a:extLst>
+        </p:spPr>
+      </p:pic>
+    </p:spTree>
+    <p:extLst>
+      <p:ext uri="{BB962C8B-B14F-4D97-AF65-F5344CB8AC3E}">
+        <p14:creationId xmlns:p14="http://schemas.microsoft.com/office/powerpoint/2010/main" val="2050999589"/>
+      </p:ext>
+    </p:extLst>
+  </p:cSld>
+  <p:clrMapOvr>
+    <a:masterClrMapping/>
+  </p:clrMapOvr>
+</p:sld>
+</file>
+
+<file path=ppt/slides/slide8.xml><?xml version="1.0" encoding="utf-8"?>
+<p:sld xmlns:a="http://schemas.openxmlformats.org/drawingml/2006/main" xmlns:r="http://schemas.openxmlformats.org/officeDocument/2006/relationships" xmlns:p="http://schemas.openxmlformats.org/presentationml/2006/main">
+  <p:cSld>
+    <p:spTree>
+      <p:nvGrpSpPr>
+        <p:cNvPr id="1" name=""/>
+        <p:cNvGrpSpPr/>
+        <p:nvPr/>
+      </p:nvGrpSpPr>
+      <p:grpSpPr>
+        <a:xfrm>
+          <a:off x="0" y="0"/>
+          <a:ext cx="0" cy="0"/>
+          <a:chOff x="0" y="0"/>
+          <a:chExt cx="0" cy="0"/>
+        </a:xfrm>
+      </p:grpSpPr>
+      <p:sp>
+        <p:nvSpPr>
+          <p:cNvPr id="2" name="標題 1"/>
+          <p:cNvSpPr>
+            <a:spLocks noGrp="1"/>
+          </p:cNvSpPr>
+          <p:nvPr>
+            <p:ph type="title"/>
+          </p:nvPr>
+        </p:nvSpPr>
+        <p:spPr/>
+        <p:txBody>
+          <a:bodyPr/>
+          <a:lstStyle/>
+          <a:p>
+            <a:endParaRPr lang="zh-TW" altLang="en-US"/>
+          </a:p>
+        </p:txBody>
+      </p:sp>
+      <p:pic>
+        <p:nvPicPr>
+          <p:cNvPr id="8194" name="Picture 2"/>
+          <p:cNvPicPr>
+            <a:picLocks noGrp="1" noChangeAspect="1" noChangeArrowheads="1"/>
+          </p:cNvPicPr>
+          <p:nvPr>
+            <p:ph idx="1"/>
+          </p:nvPr>
+        </p:nvPicPr>
+        <p:blipFill>
+          <a:blip r:embed="rId2">
+            <a:extLst>
+              <a:ext uri="{28A0092B-C50C-407E-A947-70E740481C1C}">
+                <a14:useLocalDpi xmlns:a14="http://schemas.microsoft.com/office/drawing/2010/main" val="0"/>
+              </a:ext>
+            </a:extLst>
+          </a:blip>
+          <a:srcRect/>
+          <a:stretch>
+            <a:fillRect/>
+          </a:stretch>
+        </p:blipFill>
+        <p:spPr bwMode="auto">
+          <a:xfrm>
+            <a:off x="9223" y="210506"/>
+            <a:ext cx="9037895" cy="6669360"/>
+          </a:xfrm>
+          <a:prstGeom prst="rect">
+            <a:avLst/>
+          </a:prstGeom>
+          <a:noFill/>
+          <a:ln>
+            <a:noFill/>
+          </a:ln>
+          <a:extLst>
+            <a:ext uri="{909E8E84-426E-40DD-AFC4-6F175D3DCCD1}">
+              <a14:hiddenFill xmlns:a14="http://schemas.microsoft.com/office/drawing/2010/main">
+                <a:solidFill>
+                  <a:schemeClr val="accent1"/>
+                </a:solidFill>
+              </a14:hiddenFill>
+            </a:ext>
+            <a:ext uri="{91240B29-F687-4F45-9708-019B960494DF}">
+              <a14:hiddenLine xmlns:a14="http://schemas.microsoft.com/office/drawing/2010/main" w="9525">
+                <a:solidFill>
+                  <a:schemeClr val="tx1"/>
+                </a:solidFill>
+                <a:miter lim="800000"/>
+                <a:headEnd/>
+                <a:tailEnd/>
+              </a14:hiddenLine>
+            </a:ext>
+          </a:extLst>
+        </p:spPr>
+      </p:pic>
+    </p:spTree>
+    <p:extLst>
+      <p:ext uri="{BB962C8B-B14F-4D97-AF65-F5344CB8AC3E}">
+        <p14:creationId xmlns:p14="http://schemas.microsoft.com/office/powerpoint/2010/main" val="2029716646"/>
       </p:ext>
     </p:extLst>
   </p:cSld>
